--- a/ppt 16-9/1516.是谁.pptx
+++ b/ppt 16-9/1516.是谁.pptx
@@ -129,7 +129,7 @@
           <p:cNvPr id="2" name="标题 1">
             <a:extLst>
               <a:ext uri="{FF2B5EF4-FFF2-40B4-BE49-F238E27FC236}">
-                <a16:creationId xmlns:a16="http://schemas.microsoft.com/office/drawing/2014/main" id="{7755C4C1-DC15-1531-FE41-EE339B445592}"/>
+                <a16:creationId xmlns:a16="http://schemas.microsoft.com/office/drawing/2014/main" id="{5BBE0EEF-1D75-9FC8-B387-167F9ACAE0A2}"/>
               </a:ext>
             </a:extLst>
           </p:cNvPr>
@@ -166,7 +166,7 @@
           <p:cNvPr id="3" name="副标题 2">
             <a:extLst>
               <a:ext uri="{FF2B5EF4-FFF2-40B4-BE49-F238E27FC236}">
-                <a16:creationId xmlns:a16="http://schemas.microsoft.com/office/drawing/2014/main" id="{1C90BFD6-8C6C-0A90-ABD7-6E2EA8B8A4CD}"/>
+                <a16:creationId xmlns:a16="http://schemas.microsoft.com/office/drawing/2014/main" id="{C803D698-6C13-2F02-6F5A-BAF9EFC31633}"/>
               </a:ext>
             </a:extLst>
           </p:cNvPr>
@@ -236,7 +236,7 @@
           <p:cNvPr id="4" name="日期占位符 3">
             <a:extLst>
               <a:ext uri="{FF2B5EF4-FFF2-40B4-BE49-F238E27FC236}">
-                <a16:creationId xmlns:a16="http://schemas.microsoft.com/office/drawing/2014/main" id="{3B563AB6-1A0D-50B6-01BA-FCCD24861E7F}"/>
+                <a16:creationId xmlns:a16="http://schemas.microsoft.com/office/drawing/2014/main" id="{73D7FF6C-EFA2-0470-7BE1-A5B6387A4D15}"/>
               </a:ext>
             </a:extLst>
           </p:cNvPr>
@@ -252,7 +252,7 @@
           <a:bodyPr/>
           <a:lstStyle/>
           <a:p>
-            <a:fld id="{810D8203-A68D-41B0-AF5F-69A8C2AD4D48}" type="datetimeFigureOut">
+            <a:fld id="{651B7778-B406-4553-B0A9-01E895BD6B31}" type="datetimeFigureOut">
               <a:rPr lang="zh-CN" altLang="en-US" smtClean="0"/>
               <a:t>2024/3/10</a:t>
             </a:fld>
@@ -265,7 +265,7 @@
           <p:cNvPr id="5" name="页脚占位符 4">
             <a:extLst>
               <a:ext uri="{FF2B5EF4-FFF2-40B4-BE49-F238E27FC236}">
-                <a16:creationId xmlns:a16="http://schemas.microsoft.com/office/drawing/2014/main" id="{5F0423FA-DED0-2F24-BF86-43D45B91B349}"/>
+                <a16:creationId xmlns:a16="http://schemas.microsoft.com/office/drawing/2014/main" id="{18EF4922-D9B9-09DB-D35E-F09EF10159D0}"/>
               </a:ext>
             </a:extLst>
           </p:cNvPr>
@@ -290,7 +290,7 @@
           <p:cNvPr id="6" name="灯片编号占位符 5">
             <a:extLst>
               <a:ext uri="{FF2B5EF4-FFF2-40B4-BE49-F238E27FC236}">
-                <a16:creationId xmlns:a16="http://schemas.microsoft.com/office/drawing/2014/main" id="{A53BF2F8-83D7-4956-6829-CB0AED1D131B}"/>
+                <a16:creationId xmlns:a16="http://schemas.microsoft.com/office/drawing/2014/main" id="{33CF5271-F84E-A33B-E1C6-697DF7D25E32}"/>
               </a:ext>
             </a:extLst>
           </p:cNvPr>
@@ -306,7 +306,7 @@
           <a:bodyPr/>
           <a:lstStyle/>
           <a:p>
-            <a:fld id="{69C189BA-1D6A-4E24-A463-416EA415D8B7}" type="slidenum">
+            <a:fld id="{C264464A-9D7A-4C3E-8DD3-F74B3573327B}" type="slidenum">
               <a:rPr lang="zh-CN" altLang="en-US" smtClean="0"/>
               <a:t>‹#›</a:t>
             </a:fld>
@@ -317,7 +317,7 @@
     </p:spTree>
     <p:extLst>
       <p:ext uri="{BB962C8B-B14F-4D97-AF65-F5344CB8AC3E}">
-        <p14:creationId xmlns:p14="http://schemas.microsoft.com/office/powerpoint/2010/main" val="1609103951"/>
+        <p14:creationId xmlns:p14="http://schemas.microsoft.com/office/powerpoint/2010/main" val="4029661350"/>
       </p:ext>
     </p:extLst>
   </p:cSld>
@@ -349,7 +349,7 @@
           <p:cNvPr id="2" name="标题 1">
             <a:extLst>
               <a:ext uri="{FF2B5EF4-FFF2-40B4-BE49-F238E27FC236}">
-                <a16:creationId xmlns:a16="http://schemas.microsoft.com/office/drawing/2014/main" id="{BDE6A1EA-F2C7-D3AA-9B33-D753936204F2}"/>
+                <a16:creationId xmlns:a16="http://schemas.microsoft.com/office/drawing/2014/main" id="{0C1B12D0-B9CF-0CFA-0437-80A7323BACAB}"/>
               </a:ext>
             </a:extLst>
           </p:cNvPr>
@@ -377,7 +377,7 @@
           <p:cNvPr id="3" name="竖排文字占位符 2">
             <a:extLst>
               <a:ext uri="{FF2B5EF4-FFF2-40B4-BE49-F238E27FC236}">
-                <a16:creationId xmlns:a16="http://schemas.microsoft.com/office/drawing/2014/main" id="{97759958-30BC-980E-BEDF-CEE1E310BC09}"/>
+                <a16:creationId xmlns:a16="http://schemas.microsoft.com/office/drawing/2014/main" id="{7FE14754-A571-779F-2C20-5A0D2085C60B}"/>
               </a:ext>
             </a:extLst>
           </p:cNvPr>
@@ -434,7 +434,7 @@
           <p:cNvPr id="4" name="日期占位符 3">
             <a:extLst>
               <a:ext uri="{FF2B5EF4-FFF2-40B4-BE49-F238E27FC236}">
-                <a16:creationId xmlns:a16="http://schemas.microsoft.com/office/drawing/2014/main" id="{2591C3B4-13CF-C8CE-0257-990110884AA1}"/>
+                <a16:creationId xmlns:a16="http://schemas.microsoft.com/office/drawing/2014/main" id="{3C4B3DB7-C42B-4300-1D88-363EBCFF3B07}"/>
               </a:ext>
             </a:extLst>
           </p:cNvPr>
@@ -450,7 +450,7 @@
           <a:bodyPr/>
           <a:lstStyle/>
           <a:p>
-            <a:fld id="{810D8203-A68D-41B0-AF5F-69A8C2AD4D48}" type="datetimeFigureOut">
+            <a:fld id="{651B7778-B406-4553-B0A9-01E895BD6B31}" type="datetimeFigureOut">
               <a:rPr lang="zh-CN" altLang="en-US" smtClean="0"/>
               <a:t>2024/3/10</a:t>
             </a:fld>
@@ -463,7 +463,7 @@
           <p:cNvPr id="5" name="页脚占位符 4">
             <a:extLst>
               <a:ext uri="{FF2B5EF4-FFF2-40B4-BE49-F238E27FC236}">
-                <a16:creationId xmlns:a16="http://schemas.microsoft.com/office/drawing/2014/main" id="{92FF53B5-9462-2FF9-ABB2-F7DD65408490}"/>
+                <a16:creationId xmlns:a16="http://schemas.microsoft.com/office/drawing/2014/main" id="{7E28CA2A-4DB4-91B7-ECA0-E18FCAD9EE46}"/>
               </a:ext>
             </a:extLst>
           </p:cNvPr>
@@ -488,7 +488,7 @@
           <p:cNvPr id="6" name="灯片编号占位符 5">
             <a:extLst>
               <a:ext uri="{FF2B5EF4-FFF2-40B4-BE49-F238E27FC236}">
-                <a16:creationId xmlns:a16="http://schemas.microsoft.com/office/drawing/2014/main" id="{6D342018-9444-5E0E-D1BB-6D478BBC8159}"/>
+                <a16:creationId xmlns:a16="http://schemas.microsoft.com/office/drawing/2014/main" id="{72154E0C-8E4C-E8F2-8F0B-F3E991329C2B}"/>
               </a:ext>
             </a:extLst>
           </p:cNvPr>
@@ -504,7 +504,7 @@
           <a:bodyPr/>
           <a:lstStyle/>
           <a:p>
-            <a:fld id="{69C189BA-1D6A-4E24-A463-416EA415D8B7}" type="slidenum">
+            <a:fld id="{C264464A-9D7A-4C3E-8DD3-F74B3573327B}" type="slidenum">
               <a:rPr lang="zh-CN" altLang="en-US" smtClean="0"/>
               <a:t>‹#›</a:t>
             </a:fld>
@@ -515,7 +515,7 @@
     </p:spTree>
     <p:extLst>
       <p:ext uri="{BB962C8B-B14F-4D97-AF65-F5344CB8AC3E}">
-        <p14:creationId xmlns:p14="http://schemas.microsoft.com/office/powerpoint/2010/main" val="2337564667"/>
+        <p14:creationId xmlns:p14="http://schemas.microsoft.com/office/powerpoint/2010/main" val="3376904663"/>
       </p:ext>
     </p:extLst>
   </p:cSld>
@@ -547,7 +547,7 @@
           <p:cNvPr id="2" name="竖排标题 1">
             <a:extLst>
               <a:ext uri="{FF2B5EF4-FFF2-40B4-BE49-F238E27FC236}">
-                <a16:creationId xmlns:a16="http://schemas.microsoft.com/office/drawing/2014/main" id="{61CB5DF1-347B-DFC1-0A3B-A68F229D7448}"/>
+                <a16:creationId xmlns:a16="http://schemas.microsoft.com/office/drawing/2014/main" id="{1C6E35DC-4E13-44DC-155E-196AE9060AD9}"/>
               </a:ext>
             </a:extLst>
           </p:cNvPr>
@@ -580,7 +580,7 @@
           <p:cNvPr id="3" name="竖排文字占位符 2">
             <a:extLst>
               <a:ext uri="{FF2B5EF4-FFF2-40B4-BE49-F238E27FC236}">
-                <a16:creationId xmlns:a16="http://schemas.microsoft.com/office/drawing/2014/main" id="{C176C1BC-AFE6-0DED-F83D-A58DCDECC840}"/>
+                <a16:creationId xmlns:a16="http://schemas.microsoft.com/office/drawing/2014/main" id="{E126B7C8-710D-FDD2-8BA9-78F09420162A}"/>
               </a:ext>
             </a:extLst>
           </p:cNvPr>
@@ -642,7 +642,7 @@
           <p:cNvPr id="4" name="日期占位符 3">
             <a:extLst>
               <a:ext uri="{FF2B5EF4-FFF2-40B4-BE49-F238E27FC236}">
-                <a16:creationId xmlns:a16="http://schemas.microsoft.com/office/drawing/2014/main" id="{04590881-7966-6665-ED08-B99E839D81DA}"/>
+                <a16:creationId xmlns:a16="http://schemas.microsoft.com/office/drawing/2014/main" id="{947DDC7B-314F-EF32-BB61-13522B4C15DF}"/>
               </a:ext>
             </a:extLst>
           </p:cNvPr>
@@ -658,7 +658,7 @@
           <a:bodyPr/>
           <a:lstStyle/>
           <a:p>
-            <a:fld id="{810D8203-A68D-41B0-AF5F-69A8C2AD4D48}" type="datetimeFigureOut">
+            <a:fld id="{651B7778-B406-4553-B0A9-01E895BD6B31}" type="datetimeFigureOut">
               <a:rPr lang="zh-CN" altLang="en-US" smtClean="0"/>
               <a:t>2024/3/10</a:t>
             </a:fld>
@@ -671,7 +671,7 @@
           <p:cNvPr id="5" name="页脚占位符 4">
             <a:extLst>
               <a:ext uri="{FF2B5EF4-FFF2-40B4-BE49-F238E27FC236}">
-                <a16:creationId xmlns:a16="http://schemas.microsoft.com/office/drawing/2014/main" id="{72836CED-BF51-97A8-CFD7-DE29E2FF0584}"/>
+                <a16:creationId xmlns:a16="http://schemas.microsoft.com/office/drawing/2014/main" id="{EFF6EE86-3A3D-F9AD-CACC-32B095A5DC54}"/>
               </a:ext>
             </a:extLst>
           </p:cNvPr>
@@ -696,7 +696,7 @@
           <p:cNvPr id="6" name="灯片编号占位符 5">
             <a:extLst>
               <a:ext uri="{FF2B5EF4-FFF2-40B4-BE49-F238E27FC236}">
-                <a16:creationId xmlns:a16="http://schemas.microsoft.com/office/drawing/2014/main" id="{33945AFA-8150-585C-CEB6-102A26985B08}"/>
+                <a16:creationId xmlns:a16="http://schemas.microsoft.com/office/drawing/2014/main" id="{EE6FE3A4-CF72-95AA-FE05-EFC0C4D31566}"/>
               </a:ext>
             </a:extLst>
           </p:cNvPr>
@@ -712,7 +712,7 @@
           <a:bodyPr/>
           <a:lstStyle/>
           <a:p>
-            <a:fld id="{69C189BA-1D6A-4E24-A463-416EA415D8B7}" type="slidenum">
+            <a:fld id="{C264464A-9D7A-4C3E-8DD3-F74B3573327B}" type="slidenum">
               <a:rPr lang="zh-CN" altLang="en-US" smtClean="0"/>
               <a:t>‹#›</a:t>
             </a:fld>
@@ -723,7 +723,7 @@
     </p:spTree>
     <p:extLst>
       <p:ext uri="{BB962C8B-B14F-4D97-AF65-F5344CB8AC3E}">
-        <p14:creationId xmlns:p14="http://schemas.microsoft.com/office/powerpoint/2010/main" val="326707465"/>
+        <p14:creationId xmlns:p14="http://schemas.microsoft.com/office/powerpoint/2010/main" val="3731558883"/>
       </p:ext>
     </p:extLst>
   </p:cSld>
@@ -755,7 +755,7 @@
           <p:cNvPr id="2" name="标题 1">
             <a:extLst>
               <a:ext uri="{FF2B5EF4-FFF2-40B4-BE49-F238E27FC236}">
-                <a16:creationId xmlns:a16="http://schemas.microsoft.com/office/drawing/2014/main" id="{705BD94A-5290-7CEB-7641-810949648E93}"/>
+                <a16:creationId xmlns:a16="http://schemas.microsoft.com/office/drawing/2014/main" id="{744E3F91-A33C-C2A1-F90E-692230E8DFAA}"/>
               </a:ext>
             </a:extLst>
           </p:cNvPr>
@@ -783,7 +783,7 @@
           <p:cNvPr id="3" name="内容占位符 2">
             <a:extLst>
               <a:ext uri="{FF2B5EF4-FFF2-40B4-BE49-F238E27FC236}">
-                <a16:creationId xmlns:a16="http://schemas.microsoft.com/office/drawing/2014/main" id="{87FCFCC1-8EE3-41B8-4107-F079800CA1BD}"/>
+                <a16:creationId xmlns:a16="http://schemas.microsoft.com/office/drawing/2014/main" id="{F511CE5A-5562-8DAC-1967-540A3C5FDDAE}"/>
               </a:ext>
             </a:extLst>
           </p:cNvPr>
@@ -840,7 +840,7 @@
           <p:cNvPr id="4" name="日期占位符 3">
             <a:extLst>
               <a:ext uri="{FF2B5EF4-FFF2-40B4-BE49-F238E27FC236}">
-                <a16:creationId xmlns:a16="http://schemas.microsoft.com/office/drawing/2014/main" id="{395E9E12-DEAB-BAD3-5FE0-6A545A1E5819}"/>
+                <a16:creationId xmlns:a16="http://schemas.microsoft.com/office/drawing/2014/main" id="{A6B9D379-0541-D972-ED03-E0AEF33792AC}"/>
               </a:ext>
             </a:extLst>
           </p:cNvPr>
@@ -856,7 +856,7 @@
           <a:bodyPr/>
           <a:lstStyle/>
           <a:p>
-            <a:fld id="{810D8203-A68D-41B0-AF5F-69A8C2AD4D48}" type="datetimeFigureOut">
+            <a:fld id="{651B7778-B406-4553-B0A9-01E895BD6B31}" type="datetimeFigureOut">
               <a:rPr lang="zh-CN" altLang="en-US" smtClean="0"/>
               <a:t>2024/3/10</a:t>
             </a:fld>
@@ -869,7 +869,7 @@
           <p:cNvPr id="5" name="页脚占位符 4">
             <a:extLst>
               <a:ext uri="{FF2B5EF4-FFF2-40B4-BE49-F238E27FC236}">
-                <a16:creationId xmlns:a16="http://schemas.microsoft.com/office/drawing/2014/main" id="{20B17833-2429-2205-8385-5A0F7EC92183}"/>
+                <a16:creationId xmlns:a16="http://schemas.microsoft.com/office/drawing/2014/main" id="{306B9DBD-D12A-BD51-64CA-680D21E2CC11}"/>
               </a:ext>
             </a:extLst>
           </p:cNvPr>
@@ -894,7 +894,7 @@
           <p:cNvPr id="6" name="灯片编号占位符 5">
             <a:extLst>
               <a:ext uri="{FF2B5EF4-FFF2-40B4-BE49-F238E27FC236}">
-                <a16:creationId xmlns:a16="http://schemas.microsoft.com/office/drawing/2014/main" id="{71FC0E6C-AAF5-CFF8-BE39-BA0F7997B9E4}"/>
+                <a16:creationId xmlns:a16="http://schemas.microsoft.com/office/drawing/2014/main" id="{F3839842-A888-E6E4-F15E-DAABF7FA2DDE}"/>
               </a:ext>
             </a:extLst>
           </p:cNvPr>
@@ -910,7 +910,7 @@
           <a:bodyPr/>
           <a:lstStyle/>
           <a:p>
-            <a:fld id="{69C189BA-1D6A-4E24-A463-416EA415D8B7}" type="slidenum">
+            <a:fld id="{C264464A-9D7A-4C3E-8DD3-F74B3573327B}" type="slidenum">
               <a:rPr lang="zh-CN" altLang="en-US" smtClean="0"/>
               <a:t>‹#›</a:t>
             </a:fld>
@@ -921,7 +921,7 @@
     </p:spTree>
     <p:extLst>
       <p:ext uri="{BB962C8B-B14F-4D97-AF65-F5344CB8AC3E}">
-        <p14:creationId xmlns:p14="http://schemas.microsoft.com/office/powerpoint/2010/main" val="1028879722"/>
+        <p14:creationId xmlns:p14="http://schemas.microsoft.com/office/powerpoint/2010/main" val="2259514967"/>
       </p:ext>
     </p:extLst>
   </p:cSld>
@@ -953,7 +953,7 @@
           <p:cNvPr id="2" name="标题 1">
             <a:extLst>
               <a:ext uri="{FF2B5EF4-FFF2-40B4-BE49-F238E27FC236}">
-                <a16:creationId xmlns:a16="http://schemas.microsoft.com/office/drawing/2014/main" id="{D9C48BBC-CA89-FD0B-4501-EC69EE183456}"/>
+                <a16:creationId xmlns:a16="http://schemas.microsoft.com/office/drawing/2014/main" id="{299DB31C-B4CE-312E-5530-259A9845AB89}"/>
               </a:ext>
             </a:extLst>
           </p:cNvPr>
@@ -990,7 +990,7 @@
           <p:cNvPr id="3" name="文本占位符 2">
             <a:extLst>
               <a:ext uri="{FF2B5EF4-FFF2-40B4-BE49-F238E27FC236}">
-                <a16:creationId xmlns:a16="http://schemas.microsoft.com/office/drawing/2014/main" id="{DEDEF13D-4D07-9AFE-1381-AB2940B37694}"/>
+                <a16:creationId xmlns:a16="http://schemas.microsoft.com/office/drawing/2014/main" id="{DCE1B95F-0291-006A-21D8-DD609C397515}"/>
               </a:ext>
             </a:extLst>
           </p:cNvPr>
@@ -1115,7 +1115,7 @@
           <p:cNvPr id="4" name="日期占位符 3">
             <a:extLst>
               <a:ext uri="{FF2B5EF4-FFF2-40B4-BE49-F238E27FC236}">
-                <a16:creationId xmlns:a16="http://schemas.microsoft.com/office/drawing/2014/main" id="{15D8A2B9-D647-8682-1975-2E446426A26B}"/>
+                <a16:creationId xmlns:a16="http://schemas.microsoft.com/office/drawing/2014/main" id="{CCF6F561-8293-75A7-F4C8-A4332D157848}"/>
               </a:ext>
             </a:extLst>
           </p:cNvPr>
@@ -1131,7 +1131,7 @@
           <a:bodyPr/>
           <a:lstStyle/>
           <a:p>
-            <a:fld id="{810D8203-A68D-41B0-AF5F-69A8C2AD4D48}" type="datetimeFigureOut">
+            <a:fld id="{651B7778-B406-4553-B0A9-01E895BD6B31}" type="datetimeFigureOut">
               <a:rPr lang="zh-CN" altLang="en-US" smtClean="0"/>
               <a:t>2024/3/10</a:t>
             </a:fld>
@@ -1144,7 +1144,7 @@
           <p:cNvPr id="5" name="页脚占位符 4">
             <a:extLst>
               <a:ext uri="{FF2B5EF4-FFF2-40B4-BE49-F238E27FC236}">
-                <a16:creationId xmlns:a16="http://schemas.microsoft.com/office/drawing/2014/main" id="{3A7C7FA6-517B-3277-F229-4171B11E6EF9}"/>
+                <a16:creationId xmlns:a16="http://schemas.microsoft.com/office/drawing/2014/main" id="{FD61C56B-01A7-E57F-0D11-8935AAEE4747}"/>
               </a:ext>
             </a:extLst>
           </p:cNvPr>
@@ -1169,7 +1169,7 @@
           <p:cNvPr id="6" name="灯片编号占位符 5">
             <a:extLst>
               <a:ext uri="{FF2B5EF4-FFF2-40B4-BE49-F238E27FC236}">
-                <a16:creationId xmlns:a16="http://schemas.microsoft.com/office/drawing/2014/main" id="{4763E289-4E35-F762-4472-CC292C37F230}"/>
+                <a16:creationId xmlns:a16="http://schemas.microsoft.com/office/drawing/2014/main" id="{50C970D0-A4C0-0BAA-5A85-2C2BF86D9975}"/>
               </a:ext>
             </a:extLst>
           </p:cNvPr>
@@ -1185,7 +1185,7 @@
           <a:bodyPr/>
           <a:lstStyle/>
           <a:p>
-            <a:fld id="{69C189BA-1D6A-4E24-A463-416EA415D8B7}" type="slidenum">
+            <a:fld id="{C264464A-9D7A-4C3E-8DD3-F74B3573327B}" type="slidenum">
               <a:rPr lang="zh-CN" altLang="en-US" smtClean="0"/>
               <a:t>‹#›</a:t>
             </a:fld>
@@ -1196,7 +1196,7 @@
     </p:spTree>
     <p:extLst>
       <p:ext uri="{BB962C8B-B14F-4D97-AF65-F5344CB8AC3E}">
-        <p14:creationId xmlns:p14="http://schemas.microsoft.com/office/powerpoint/2010/main" val="4254975248"/>
+        <p14:creationId xmlns:p14="http://schemas.microsoft.com/office/powerpoint/2010/main" val="3937196843"/>
       </p:ext>
     </p:extLst>
   </p:cSld>
@@ -1228,7 +1228,7 @@
           <p:cNvPr id="2" name="标题 1">
             <a:extLst>
               <a:ext uri="{FF2B5EF4-FFF2-40B4-BE49-F238E27FC236}">
-                <a16:creationId xmlns:a16="http://schemas.microsoft.com/office/drawing/2014/main" id="{B3656C1C-895B-9B42-7734-87FB5AFE0250}"/>
+                <a16:creationId xmlns:a16="http://schemas.microsoft.com/office/drawing/2014/main" id="{33C51808-A2D6-A5A2-2D04-9F61B69AB74F}"/>
               </a:ext>
             </a:extLst>
           </p:cNvPr>
@@ -1256,7 +1256,7 @@
           <p:cNvPr id="3" name="内容占位符 2">
             <a:extLst>
               <a:ext uri="{FF2B5EF4-FFF2-40B4-BE49-F238E27FC236}">
-                <a16:creationId xmlns:a16="http://schemas.microsoft.com/office/drawing/2014/main" id="{FF4A2535-8F9F-50EE-5861-43BD6A2B4446}"/>
+                <a16:creationId xmlns:a16="http://schemas.microsoft.com/office/drawing/2014/main" id="{E8FF6390-9E34-C832-924D-E064845F9F4F}"/>
               </a:ext>
             </a:extLst>
           </p:cNvPr>
@@ -1318,7 +1318,7 @@
           <p:cNvPr id="4" name="内容占位符 3">
             <a:extLst>
               <a:ext uri="{FF2B5EF4-FFF2-40B4-BE49-F238E27FC236}">
-                <a16:creationId xmlns:a16="http://schemas.microsoft.com/office/drawing/2014/main" id="{DA1B7D81-D27D-BC72-E095-A9691BAD1793}"/>
+                <a16:creationId xmlns:a16="http://schemas.microsoft.com/office/drawing/2014/main" id="{78CFE833-7B0F-9F14-9445-688560547B10}"/>
               </a:ext>
             </a:extLst>
           </p:cNvPr>
@@ -1380,7 +1380,7 @@
           <p:cNvPr id="5" name="日期占位符 4">
             <a:extLst>
               <a:ext uri="{FF2B5EF4-FFF2-40B4-BE49-F238E27FC236}">
-                <a16:creationId xmlns:a16="http://schemas.microsoft.com/office/drawing/2014/main" id="{50FB4EC1-BF8B-AB1D-DFC5-BB30B5DD4CEF}"/>
+                <a16:creationId xmlns:a16="http://schemas.microsoft.com/office/drawing/2014/main" id="{C6A6901C-5217-8B50-40B1-31F4D44D4677}"/>
               </a:ext>
             </a:extLst>
           </p:cNvPr>
@@ -1396,7 +1396,7 @@
           <a:bodyPr/>
           <a:lstStyle/>
           <a:p>
-            <a:fld id="{810D8203-A68D-41B0-AF5F-69A8C2AD4D48}" type="datetimeFigureOut">
+            <a:fld id="{651B7778-B406-4553-B0A9-01E895BD6B31}" type="datetimeFigureOut">
               <a:rPr lang="zh-CN" altLang="en-US" smtClean="0"/>
               <a:t>2024/3/10</a:t>
             </a:fld>
@@ -1409,7 +1409,7 @@
           <p:cNvPr id="6" name="页脚占位符 5">
             <a:extLst>
               <a:ext uri="{FF2B5EF4-FFF2-40B4-BE49-F238E27FC236}">
-                <a16:creationId xmlns:a16="http://schemas.microsoft.com/office/drawing/2014/main" id="{148B76EC-6994-295B-29D9-7803D7222675}"/>
+                <a16:creationId xmlns:a16="http://schemas.microsoft.com/office/drawing/2014/main" id="{79947ADB-22F2-2077-CA4E-E56DE155B3F4}"/>
               </a:ext>
             </a:extLst>
           </p:cNvPr>
@@ -1434,7 +1434,7 @@
           <p:cNvPr id="7" name="灯片编号占位符 6">
             <a:extLst>
               <a:ext uri="{FF2B5EF4-FFF2-40B4-BE49-F238E27FC236}">
-                <a16:creationId xmlns:a16="http://schemas.microsoft.com/office/drawing/2014/main" id="{A8ACB229-193E-A9E7-4849-38C05B9BAD11}"/>
+                <a16:creationId xmlns:a16="http://schemas.microsoft.com/office/drawing/2014/main" id="{2146F28C-4E27-BCA4-34BD-90599279FC59}"/>
               </a:ext>
             </a:extLst>
           </p:cNvPr>
@@ -1450,7 +1450,7 @@
           <a:bodyPr/>
           <a:lstStyle/>
           <a:p>
-            <a:fld id="{69C189BA-1D6A-4E24-A463-416EA415D8B7}" type="slidenum">
+            <a:fld id="{C264464A-9D7A-4C3E-8DD3-F74B3573327B}" type="slidenum">
               <a:rPr lang="zh-CN" altLang="en-US" smtClean="0"/>
               <a:t>‹#›</a:t>
             </a:fld>
@@ -1461,7 +1461,7 @@
     </p:spTree>
     <p:extLst>
       <p:ext uri="{BB962C8B-B14F-4D97-AF65-F5344CB8AC3E}">
-        <p14:creationId xmlns:p14="http://schemas.microsoft.com/office/powerpoint/2010/main" val="3440546480"/>
+        <p14:creationId xmlns:p14="http://schemas.microsoft.com/office/powerpoint/2010/main" val="2055369535"/>
       </p:ext>
     </p:extLst>
   </p:cSld>
@@ -1493,7 +1493,7 @@
           <p:cNvPr id="2" name="标题 1">
             <a:extLst>
               <a:ext uri="{FF2B5EF4-FFF2-40B4-BE49-F238E27FC236}">
-                <a16:creationId xmlns:a16="http://schemas.microsoft.com/office/drawing/2014/main" id="{72F1141A-AB95-88AE-C7DD-BEA1986BC352}"/>
+                <a16:creationId xmlns:a16="http://schemas.microsoft.com/office/drawing/2014/main" id="{E75F8B31-D720-DCC4-ED2D-01D8B23CAFC2}"/>
               </a:ext>
             </a:extLst>
           </p:cNvPr>
@@ -1526,7 +1526,7 @@
           <p:cNvPr id="3" name="文本占位符 2">
             <a:extLst>
               <a:ext uri="{FF2B5EF4-FFF2-40B4-BE49-F238E27FC236}">
-                <a16:creationId xmlns:a16="http://schemas.microsoft.com/office/drawing/2014/main" id="{DF26E9D4-DE5F-D7E5-E68A-15731D1BD457}"/>
+                <a16:creationId xmlns:a16="http://schemas.microsoft.com/office/drawing/2014/main" id="{6F204A5B-6C65-4BF9-5916-B0722422123E}"/>
               </a:ext>
             </a:extLst>
           </p:cNvPr>
@@ -1597,7 +1597,7 @@
           <p:cNvPr id="4" name="内容占位符 3">
             <a:extLst>
               <a:ext uri="{FF2B5EF4-FFF2-40B4-BE49-F238E27FC236}">
-                <a16:creationId xmlns:a16="http://schemas.microsoft.com/office/drawing/2014/main" id="{63242CAD-9144-A4B6-D332-0BB6487269EA}"/>
+                <a16:creationId xmlns:a16="http://schemas.microsoft.com/office/drawing/2014/main" id="{D54798B5-9BB8-0FD1-E513-840C8C737B10}"/>
               </a:ext>
             </a:extLst>
           </p:cNvPr>
@@ -1659,7 +1659,7 @@
           <p:cNvPr id="5" name="文本占位符 4">
             <a:extLst>
               <a:ext uri="{FF2B5EF4-FFF2-40B4-BE49-F238E27FC236}">
-                <a16:creationId xmlns:a16="http://schemas.microsoft.com/office/drawing/2014/main" id="{9C09C8D8-A39E-A5B8-50BF-E1C8DBA5F90D}"/>
+                <a16:creationId xmlns:a16="http://schemas.microsoft.com/office/drawing/2014/main" id="{795B3700-CCFB-7356-56A2-16A63E63DB58}"/>
               </a:ext>
             </a:extLst>
           </p:cNvPr>
@@ -1730,7 +1730,7 @@
           <p:cNvPr id="6" name="内容占位符 5">
             <a:extLst>
               <a:ext uri="{FF2B5EF4-FFF2-40B4-BE49-F238E27FC236}">
-                <a16:creationId xmlns:a16="http://schemas.microsoft.com/office/drawing/2014/main" id="{9B74C84C-DC74-F643-48F3-DFED3C08327F}"/>
+                <a16:creationId xmlns:a16="http://schemas.microsoft.com/office/drawing/2014/main" id="{9AB4F172-B1ED-07EA-A14A-1E533FAF56A4}"/>
               </a:ext>
             </a:extLst>
           </p:cNvPr>
@@ -1792,7 +1792,7 @@
           <p:cNvPr id="7" name="日期占位符 6">
             <a:extLst>
               <a:ext uri="{FF2B5EF4-FFF2-40B4-BE49-F238E27FC236}">
-                <a16:creationId xmlns:a16="http://schemas.microsoft.com/office/drawing/2014/main" id="{85F726C1-BEFA-8925-83D0-23DED303CD1C}"/>
+                <a16:creationId xmlns:a16="http://schemas.microsoft.com/office/drawing/2014/main" id="{306FA876-8D09-E6A9-8450-D28B768FDF26}"/>
               </a:ext>
             </a:extLst>
           </p:cNvPr>
@@ -1808,7 +1808,7 @@
           <a:bodyPr/>
           <a:lstStyle/>
           <a:p>
-            <a:fld id="{810D8203-A68D-41B0-AF5F-69A8C2AD4D48}" type="datetimeFigureOut">
+            <a:fld id="{651B7778-B406-4553-B0A9-01E895BD6B31}" type="datetimeFigureOut">
               <a:rPr lang="zh-CN" altLang="en-US" smtClean="0"/>
               <a:t>2024/3/10</a:t>
             </a:fld>
@@ -1821,7 +1821,7 @@
           <p:cNvPr id="8" name="页脚占位符 7">
             <a:extLst>
               <a:ext uri="{FF2B5EF4-FFF2-40B4-BE49-F238E27FC236}">
-                <a16:creationId xmlns:a16="http://schemas.microsoft.com/office/drawing/2014/main" id="{6E5FF7DF-3804-03C3-F2CE-BD3E26EE9359}"/>
+                <a16:creationId xmlns:a16="http://schemas.microsoft.com/office/drawing/2014/main" id="{B9FE1CFB-78FF-0EF6-655E-CE9BF34927E5}"/>
               </a:ext>
             </a:extLst>
           </p:cNvPr>
@@ -1846,7 +1846,7 @@
           <p:cNvPr id="9" name="灯片编号占位符 8">
             <a:extLst>
               <a:ext uri="{FF2B5EF4-FFF2-40B4-BE49-F238E27FC236}">
-                <a16:creationId xmlns:a16="http://schemas.microsoft.com/office/drawing/2014/main" id="{4906DAB8-6494-E562-B9AB-7E9B541FE468}"/>
+                <a16:creationId xmlns:a16="http://schemas.microsoft.com/office/drawing/2014/main" id="{2A1D684F-DD05-7D5C-9B7E-4F02CA6705EB}"/>
               </a:ext>
             </a:extLst>
           </p:cNvPr>
@@ -1862,7 +1862,7 @@
           <a:bodyPr/>
           <a:lstStyle/>
           <a:p>
-            <a:fld id="{69C189BA-1D6A-4E24-A463-416EA415D8B7}" type="slidenum">
+            <a:fld id="{C264464A-9D7A-4C3E-8DD3-F74B3573327B}" type="slidenum">
               <a:rPr lang="zh-CN" altLang="en-US" smtClean="0"/>
               <a:t>‹#›</a:t>
             </a:fld>
@@ -1873,7 +1873,7 @@
     </p:spTree>
     <p:extLst>
       <p:ext uri="{BB962C8B-B14F-4D97-AF65-F5344CB8AC3E}">
-        <p14:creationId xmlns:p14="http://schemas.microsoft.com/office/powerpoint/2010/main" val="1042135009"/>
+        <p14:creationId xmlns:p14="http://schemas.microsoft.com/office/powerpoint/2010/main" val="1066959095"/>
       </p:ext>
     </p:extLst>
   </p:cSld>
@@ -1905,7 +1905,7 @@
           <p:cNvPr id="2" name="标题 1">
             <a:extLst>
               <a:ext uri="{FF2B5EF4-FFF2-40B4-BE49-F238E27FC236}">
-                <a16:creationId xmlns:a16="http://schemas.microsoft.com/office/drawing/2014/main" id="{903E5439-B717-CE0A-7908-13D9B6535FCD}"/>
+                <a16:creationId xmlns:a16="http://schemas.microsoft.com/office/drawing/2014/main" id="{C568DE5C-4132-F404-FB9F-373D722E8920}"/>
               </a:ext>
             </a:extLst>
           </p:cNvPr>
@@ -1933,7 +1933,7 @@
           <p:cNvPr id="3" name="日期占位符 2">
             <a:extLst>
               <a:ext uri="{FF2B5EF4-FFF2-40B4-BE49-F238E27FC236}">
-                <a16:creationId xmlns:a16="http://schemas.microsoft.com/office/drawing/2014/main" id="{99FF2268-999B-090B-44EC-10D32A131905}"/>
+                <a16:creationId xmlns:a16="http://schemas.microsoft.com/office/drawing/2014/main" id="{238D1B65-2C51-9BBE-528D-7E00EB968AE2}"/>
               </a:ext>
             </a:extLst>
           </p:cNvPr>
@@ -1949,7 +1949,7 @@
           <a:bodyPr/>
           <a:lstStyle/>
           <a:p>
-            <a:fld id="{810D8203-A68D-41B0-AF5F-69A8C2AD4D48}" type="datetimeFigureOut">
+            <a:fld id="{651B7778-B406-4553-B0A9-01E895BD6B31}" type="datetimeFigureOut">
               <a:rPr lang="zh-CN" altLang="en-US" smtClean="0"/>
               <a:t>2024/3/10</a:t>
             </a:fld>
@@ -1962,7 +1962,7 @@
           <p:cNvPr id="4" name="页脚占位符 3">
             <a:extLst>
               <a:ext uri="{FF2B5EF4-FFF2-40B4-BE49-F238E27FC236}">
-                <a16:creationId xmlns:a16="http://schemas.microsoft.com/office/drawing/2014/main" id="{CCEEED1F-38A8-72C4-9F2E-F203F9F97748}"/>
+                <a16:creationId xmlns:a16="http://schemas.microsoft.com/office/drawing/2014/main" id="{262D3535-9961-7A57-5250-A9320F86B839}"/>
               </a:ext>
             </a:extLst>
           </p:cNvPr>
@@ -1987,7 +1987,7 @@
           <p:cNvPr id="5" name="灯片编号占位符 4">
             <a:extLst>
               <a:ext uri="{FF2B5EF4-FFF2-40B4-BE49-F238E27FC236}">
-                <a16:creationId xmlns:a16="http://schemas.microsoft.com/office/drawing/2014/main" id="{D9E769E0-4321-1035-D885-424844B0E9E2}"/>
+                <a16:creationId xmlns:a16="http://schemas.microsoft.com/office/drawing/2014/main" id="{33B8EC96-5CBF-DC37-CD38-BD4B23A354B6}"/>
               </a:ext>
             </a:extLst>
           </p:cNvPr>
@@ -2003,7 +2003,7 @@
           <a:bodyPr/>
           <a:lstStyle/>
           <a:p>
-            <a:fld id="{69C189BA-1D6A-4E24-A463-416EA415D8B7}" type="slidenum">
+            <a:fld id="{C264464A-9D7A-4C3E-8DD3-F74B3573327B}" type="slidenum">
               <a:rPr lang="zh-CN" altLang="en-US" smtClean="0"/>
               <a:t>‹#›</a:t>
             </a:fld>
@@ -2014,7 +2014,7 @@
     </p:spTree>
     <p:extLst>
       <p:ext uri="{BB962C8B-B14F-4D97-AF65-F5344CB8AC3E}">
-        <p14:creationId xmlns:p14="http://schemas.microsoft.com/office/powerpoint/2010/main" val="1427484178"/>
+        <p14:creationId xmlns:p14="http://schemas.microsoft.com/office/powerpoint/2010/main" val="672736552"/>
       </p:ext>
     </p:extLst>
   </p:cSld>
@@ -2046,7 +2046,7 @@
           <p:cNvPr id="2" name="日期占位符 1">
             <a:extLst>
               <a:ext uri="{FF2B5EF4-FFF2-40B4-BE49-F238E27FC236}">
-                <a16:creationId xmlns:a16="http://schemas.microsoft.com/office/drawing/2014/main" id="{E3EA81C1-2370-329C-A620-CB28FB9668A3}"/>
+                <a16:creationId xmlns:a16="http://schemas.microsoft.com/office/drawing/2014/main" id="{E30E068A-1D6F-91C1-DFDF-E65D5CA6B97D}"/>
               </a:ext>
             </a:extLst>
           </p:cNvPr>
@@ -2062,7 +2062,7 @@
           <a:bodyPr/>
           <a:lstStyle/>
           <a:p>
-            <a:fld id="{810D8203-A68D-41B0-AF5F-69A8C2AD4D48}" type="datetimeFigureOut">
+            <a:fld id="{651B7778-B406-4553-B0A9-01E895BD6B31}" type="datetimeFigureOut">
               <a:rPr lang="zh-CN" altLang="en-US" smtClean="0"/>
               <a:t>2024/3/10</a:t>
             </a:fld>
@@ -2075,7 +2075,7 @@
           <p:cNvPr id="3" name="页脚占位符 2">
             <a:extLst>
               <a:ext uri="{FF2B5EF4-FFF2-40B4-BE49-F238E27FC236}">
-                <a16:creationId xmlns:a16="http://schemas.microsoft.com/office/drawing/2014/main" id="{4C600A1F-D3BD-1A2D-05FF-1A0D6FB8AE11}"/>
+                <a16:creationId xmlns:a16="http://schemas.microsoft.com/office/drawing/2014/main" id="{B742D0D4-F8B7-497B-385D-D89538B60D45}"/>
               </a:ext>
             </a:extLst>
           </p:cNvPr>
@@ -2100,7 +2100,7 @@
           <p:cNvPr id="4" name="灯片编号占位符 3">
             <a:extLst>
               <a:ext uri="{FF2B5EF4-FFF2-40B4-BE49-F238E27FC236}">
-                <a16:creationId xmlns:a16="http://schemas.microsoft.com/office/drawing/2014/main" id="{95671BA0-5947-489E-906F-6CAEABE8ACCD}"/>
+                <a16:creationId xmlns:a16="http://schemas.microsoft.com/office/drawing/2014/main" id="{D046A127-C894-A941-06D1-1A9F6FB20D2A}"/>
               </a:ext>
             </a:extLst>
           </p:cNvPr>
@@ -2116,7 +2116,7 @@
           <a:bodyPr/>
           <a:lstStyle/>
           <a:p>
-            <a:fld id="{69C189BA-1D6A-4E24-A463-416EA415D8B7}" type="slidenum">
+            <a:fld id="{C264464A-9D7A-4C3E-8DD3-F74B3573327B}" type="slidenum">
               <a:rPr lang="zh-CN" altLang="en-US" smtClean="0"/>
               <a:t>‹#›</a:t>
             </a:fld>
@@ -2127,7 +2127,7 @@
     </p:spTree>
     <p:extLst>
       <p:ext uri="{BB962C8B-B14F-4D97-AF65-F5344CB8AC3E}">
-        <p14:creationId xmlns:p14="http://schemas.microsoft.com/office/powerpoint/2010/main" val="782302705"/>
+        <p14:creationId xmlns:p14="http://schemas.microsoft.com/office/powerpoint/2010/main" val="545867792"/>
       </p:ext>
     </p:extLst>
   </p:cSld>
@@ -2159,7 +2159,7 @@
           <p:cNvPr id="2" name="标题 1">
             <a:extLst>
               <a:ext uri="{FF2B5EF4-FFF2-40B4-BE49-F238E27FC236}">
-                <a16:creationId xmlns:a16="http://schemas.microsoft.com/office/drawing/2014/main" id="{013A9064-2DCC-0D3C-C7B8-56E9E7425D91}"/>
+                <a16:creationId xmlns:a16="http://schemas.microsoft.com/office/drawing/2014/main" id="{D923620B-5AFF-CB25-FF89-899D47290CE0}"/>
               </a:ext>
             </a:extLst>
           </p:cNvPr>
@@ -2196,7 +2196,7 @@
           <p:cNvPr id="3" name="内容占位符 2">
             <a:extLst>
               <a:ext uri="{FF2B5EF4-FFF2-40B4-BE49-F238E27FC236}">
-                <a16:creationId xmlns:a16="http://schemas.microsoft.com/office/drawing/2014/main" id="{B07F3424-2681-C427-6240-811B09676F47}"/>
+                <a16:creationId xmlns:a16="http://schemas.microsoft.com/office/drawing/2014/main" id="{048BC462-A8AB-77A6-6F34-7DF0253D1C02}"/>
               </a:ext>
             </a:extLst>
           </p:cNvPr>
@@ -2286,7 +2286,7 @@
           <p:cNvPr id="4" name="文本占位符 3">
             <a:extLst>
               <a:ext uri="{FF2B5EF4-FFF2-40B4-BE49-F238E27FC236}">
-                <a16:creationId xmlns:a16="http://schemas.microsoft.com/office/drawing/2014/main" id="{390CAE57-3474-A84B-4448-20EC39A16092}"/>
+                <a16:creationId xmlns:a16="http://schemas.microsoft.com/office/drawing/2014/main" id="{039A2D0E-72A1-63E4-AF96-253DE26AF0BE}"/>
               </a:ext>
             </a:extLst>
           </p:cNvPr>
@@ -2357,7 +2357,7 @@
           <p:cNvPr id="5" name="日期占位符 4">
             <a:extLst>
               <a:ext uri="{FF2B5EF4-FFF2-40B4-BE49-F238E27FC236}">
-                <a16:creationId xmlns:a16="http://schemas.microsoft.com/office/drawing/2014/main" id="{440EA85A-A490-50B4-E4C3-15B919220DF4}"/>
+                <a16:creationId xmlns:a16="http://schemas.microsoft.com/office/drawing/2014/main" id="{193B0EA5-7A38-2680-1952-E0A2BC2C35AE}"/>
               </a:ext>
             </a:extLst>
           </p:cNvPr>
@@ -2373,7 +2373,7 @@
           <a:bodyPr/>
           <a:lstStyle/>
           <a:p>
-            <a:fld id="{810D8203-A68D-41B0-AF5F-69A8C2AD4D48}" type="datetimeFigureOut">
+            <a:fld id="{651B7778-B406-4553-B0A9-01E895BD6B31}" type="datetimeFigureOut">
               <a:rPr lang="zh-CN" altLang="en-US" smtClean="0"/>
               <a:t>2024/3/10</a:t>
             </a:fld>
@@ -2386,7 +2386,7 @@
           <p:cNvPr id="6" name="页脚占位符 5">
             <a:extLst>
               <a:ext uri="{FF2B5EF4-FFF2-40B4-BE49-F238E27FC236}">
-                <a16:creationId xmlns:a16="http://schemas.microsoft.com/office/drawing/2014/main" id="{E3F9F72C-DB79-3FA9-0A34-6EA10D677250}"/>
+                <a16:creationId xmlns:a16="http://schemas.microsoft.com/office/drawing/2014/main" id="{0B033C43-8D33-0612-BF91-E15A64F9BDBA}"/>
               </a:ext>
             </a:extLst>
           </p:cNvPr>
@@ -2411,7 +2411,7 @@
           <p:cNvPr id="7" name="灯片编号占位符 6">
             <a:extLst>
               <a:ext uri="{FF2B5EF4-FFF2-40B4-BE49-F238E27FC236}">
-                <a16:creationId xmlns:a16="http://schemas.microsoft.com/office/drawing/2014/main" id="{9E9FC641-0B67-2441-0331-085D1EDC32F1}"/>
+                <a16:creationId xmlns:a16="http://schemas.microsoft.com/office/drawing/2014/main" id="{81E7A18C-1DAC-70CA-CB48-E8C4C2D4DE8B}"/>
               </a:ext>
             </a:extLst>
           </p:cNvPr>
@@ -2427,7 +2427,7 @@
           <a:bodyPr/>
           <a:lstStyle/>
           <a:p>
-            <a:fld id="{69C189BA-1D6A-4E24-A463-416EA415D8B7}" type="slidenum">
+            <a:fld id="{C264464A-9D7A-4C3E-8DD3-F74B3573327B}" type="slidenum">
               <a:rPr lang="zh-CN" altLang="en-US" smtClean="0"/>
               <a:t>‹#›</a:t>
             </a:fld>
@@ -2438,7 +2438,7 @@
     </p:spTree>
     <p:extLst>
       <p:ext uri="{BB962C8B-B14F-4D97-AF65-F5344CB8AC3E}">
-        <p14:creationId xmlns:p14="http://schemas.microsoft.com/office/powerpoint/2010/main" val="584463285"/>
+        <p14:creationId xmlns:p14="http://schemas.microsoft.com/office/powerpoint/2010/main" val="2002093416"/>
       </p:ext>
     </p:extLst>
   </p:cSld>
@@ -2470,7 +2470,7 @@
           <p:cNvPr id="2" name="标题 1">
             <a:extLst>
               <a:ext uri="{FF2B5EF4-FFF2-40B4-BE49-F238E27FC236}">
-                <a16:creationId xmlns:a16="http://schemas.microsoft.com/office/drawing/2014/main" id="{1C9BD894-D5D8-9F94-2B4F-1053FA485D0B}"/>
+                <a16:creationId xmlns:a16="http://schemas.microsoft.com/office/drawing/2014/main" id="{9A331BA0-AF3C-4E0B-E081-8DFC5A9BA223}"/>
               </a:ext>
             </a:extLst>
           </p:cNvPr>
@@ -2507,7 +2507,7 @@
           <p:cNvPr id="3" name="图片占位符 2">
             <a:extLst>
               <a:ext uri="{FF2B5EF4-FFF2-40B4-BE49-F238E27FC236}">
-                <a16:creationId xmlns:a16="http://schemas.microsoft.com/office/drawing/2014/main" id="{27BE1F56-1ADA-1F97-5EB0-B0DBDA06B757}"/>
+                <a16:creationId xmlns:a16="http://schemas.microsoft.com/office/drawing/2014/main" id="{3631F75C-C18D-FB44-6169-D6FF66601FF3}"/>
               </a:ext>
             </a:extLst>
           </p:cNvPr>
@@ -2574,7 +2574,7 @@
           <p:cNvPr id="4" name="文本占位符 3">
             <a:extLst>
               <a:ext uri="{FF2B5EF4-FFF2-40B4-BE49-F238E27FC236}">
-                <a16:creationId xmlns:a16="http://schemas.microsoft.com/office/drawing/2014/main" id="{9DAF1605-3455-9FBF-27E2-EE0A03D8D6C2}"/>
+                <a16:creationId xmlns:a16="http://schemas.microsoft.com/office/drawing/2014/main" id="{2C2D5212-A084-5C61-0201-A3BB2F60C208}"/>
               </a:ext>
             </a:extLst>
           </p:cNvPr>
@@ -2645,7 +2645,7 @@
           <p:cNvPr id="5" name="日期占位符 4">
             <a:extLst>
               <a:ext uri="{FF2B5EF4-FFF2-40B4-BE49-F238E27FC236}">
-                <a16:creationId xmlns:a16="http://schemas.microsoft.com/office/drawing/2014/main" id="{9E0875E7-DD80-78F9-8B0B-B2F86BC13A11}"/>
+                <a16:creationId xmlns:a16="http://schemas.microsoft.com/office/drawing/2014/main" id="{0D464FB0-FCE8-FBE1-11C5-4574F027544E}"/>
               </a:ext>
             </a:extLst>
           </p:cNvPr>
@@ -2661,7 +2661,7 @@
           <a:bodyPr/>
           <a:lstStyle/>
           <a:p>
-            <a:fld id="{810D8203-A68D-41B0-AF5F-69A8C2AD4D48}" type="datetimeFigureOut">
+            <a:fld id="{651B7778-B406-4553-B0A9-01E895BD6B31}" type="datetimeFigureOut">
               <a:rPr lang="zh-CN" altLang="en-US" smtClean="0"/>
               <a:t>2024/3/10</a:t>
             </a:fld>
@@ -2674,7 +2674,7 @@
           <p:cNvPr id="6" name="页脚占位符 5">
             <a:extLst>
               <a:ext uri="{FF2B5EF4-FFF2-40B4-BE49-F238E27FC236}">
-                <a16:creationId xmlns:a16="http://schemas.microsoft.com/office/drawing/2014/main" id="{794BA037-D53C-2448-A7CA-80DE48E397F4}"/>
+                <a16:creationId xmlns:a16="http://schemas.microsoft.com/office/drawing/2014/main" id="{5A394AF9-CFCE-CC8A-35E7-225152A8949F}"/>
               </a:ext>
             </a:extLst>
           </p:cNvPr>
@@ -2699,7 +2699,7 @@
           <p:cNvPr id="7" name="灯片编号占位符 6">
             <a:extLst>
               <a:ext uri="{FF2B5EF4-FFF2-40B4-BE49-F238E27FC236}">
-                <a16:creationId xmlns:a16="http://schemas.microsoft.com/office/drawing/2014/main" id="{7CBD444A-5037-D601-D81D-662C1CD7D471}"/>
+                <a16:creationId xmlns:a16="http://schemas.microsoft.com/office/drawing/2014/main" id="{8719C3C0-B32F-514D-304B-216DEC90554B}"/>
               </a:ext>
             </a:extLst>
           </p:cNvPr>
@@ -2715,7 +2715,7 @@
           <a:bodyPr/>
           <a:lstStyle/>
           <a:p>
-            <a:fld id="{69C189BA-1D6A-4E24-A463-416EA415D8B7}" type="slidenum">
+            <a:fld id="{C264464A-9D7A-4C3E-8DD3-F74B3573327B}" type="slidenum">
               <a:rPr lang="zh-CN" altLang="en-US" smtClean="0"/>
               <a:t>‹#›</a:t>
             </a:fld>
@@ -2726,7 +2726,7 @@
     </p:spTree>
     <p:extLst>
       <p:ext uri="{BB962C8B-B14F-4D97-AF65-F5344CB8AC3E}">
-        <p14:creationId xmlns:p14="http://schemas.microsoft.com/office/powerpoint/2010/main" val="3141399674"/>
+        <p14:creationId xmlns:p14="http://schemas.microsoft.com/office/powerpoint/2010/main" val="1804164925"/>
       </p:ext>
     </p:extLst>
   </p:cSld>
@@ -2763,7 +2763,7 @@
           <p:cNvPr id="2" name="标题占位符 1">
             <a:extLst>
               <a:ext uri="{FF2B5EF4-FFF2-40B4-BE49-F238E27FC236}">
-                <a16:creationId xmlns:a16="http://schemas.microsoft.com/office/drawing/2014/main" id="{C3ED6D46-8C34-2F7A-5A81-3BEFA01259DC}"/>
+                <a16:creationId xmlns:a16="http://schemas.microsoft.com/office/drawing/2014/main" id="{8E2F4B3F-062C-CACC-92D6-7DA4A1B7F33C}"/>
               </a:ext>
             </a:extLst>
           </p:cNvPr>
@@ -2801,7 +2801,7 @@
           <p:cNvPr id="3" name="文本占位符 2">
             <a:extLst>
               <a:ext uri="{FF2B5EF4-FFF2-40B4-BE49-F238E27FC236}">
-                <a16:creationId xmlns:a16="http://schemas.microsoft.com/office/drawing/2014/main" id="{74C389D6-5DBD-8F26-1280-4DAD82F162BD}"/>
+                <a16:creationId xmlns:a16="http://schemas.microsoft.com/office/drawing/2014/main" id="{C7AD5C58-4A5A-A976-F619-EFEE7CF63D96}"/>
               </a:ext>
             </a:extLst>
           </p:cNvPr>
@@ -2868,7 +2868,7 @@
           <p:cNvPr id="4" name="日期占位符 3">
             <a:extLst>
               <a:ext uri="{FF2B5EF4-FFF2-40B4-BE49-F238E27FC236}">
-                <a16:creationId xmlns:a16="http://schemas.microsoft.com/office/drawing/2014/main" id="{66C4F9DA-808B-5C14-8ACF-F90D2FAED7D2}"/>
+                <a16:creationId xmlns:a16="http://schemas.microsoft.com/office/drawing/2014/main" id="{3E989089-50F8-792D-5677-D432A99E62D3}"/>
               </a:ext>
             </a:extLst>
           </p:cNvPr>
@@ -2902,7 +2902,7 @@
             </a:lvl1pPr>
           </a:lstStyle>
           <a:p>
-            <a:fld id="{810D8203-A68D-41B0-AF5F-69A8C2AD4D48}" type="datetimeFigureOut">
+            <a:fld id="{651B7778-B406-4553-B0A9-01E895BD6B31}" type="datetimeFigureOut">
               <a:rPr lang="zh-CN" altLang="en-US" smtClean="0"/>
               <a:t>2024/3/10</a:t>
             </a:fld>
@@ -2915,7 +2915,7 @@
           <p:cNvPr id="5" name="页脚占位符 4">
             <a:extLst>
               <a:ext uri="{FF2B5EF4-FFF2-40B4-BE49-F238E27FC236}">
-                <a16:creationId xmlns:a16="http://schemas.microsoft.com/office/drawing/2014/main" id="{4F5A2117-FB7F-8116-6BFC-694015B5A3F6}"/>
+                <a16:creationId xmlns:a16="http://schemas.microsoft.com/office/drawing/2014/main" id="{35755896-3148-8E80-DDEF-8D1E8E2D1CFD}"/>
               </a:ext>
             </a:extLst>
           </p:cNvPr>
@@ -2958,7 +2958,7 @@
           <p:cNvPr id="6" name="灯片编号占位符 5">
             <a:extLst>
               <a:ext uri="{FF2B5EF4-FFF2-40B4-BE49-F238E27FC236}">
-                <a16:creationId xmlns:a16="http://schemas.microsoft.com/office/drawing/2014/main" id="{03D7BF96-B106-735B-E87B-88396B576FFA}"/>
+                <a16:creationId xmlns:a16="http://schemas.microsoft.com/office/drawing/2014/main" id="{8AA359E3-85BF-00FD-FF47-A51AA543D95A}"/>
               </a:ext>
             </a:extLst>
           </p:cNvPr>
@@ -2992,7 +2992,7 @@
             </a:lvl1pPr>
           </a:lstStyle>
           <a:p>
-            <a:fld id="{69C189BA-1D6A-4E24-A463-416EA415D8B7}" type="slidenum">
+            <a:fld id="{C264464A-9D7A-4C3E-8DD3-F74B3573327B}" type="slidenum">
               <a:rPr lang="zh-CN" altLang="en-US" smtClean="0"/>
               <a:t>‹#›</a:t>
             </a:fld>
@@ -3003,7 +3003,7 @@
     </p:spTree>
     <p:extLst>
       <p:ext uri="{BB962C8B-B14F-4D97-AF65-F5344CB8AC3E}">
-        <p14:creationId xmlns:p14="http://schemas.microsoft.com/office/powerpoint/2010/main" val="1574464516"/>
+        <p14:creationId xmlns:p14="http://schemas.microsoft.com/office/powerpoint/2010/main" val="1461658759"/>
       </p:ext>
     </p:extLst>
   </p:cSld>
